--- a/Prezentace/Maturita/2025/11 větvení.pptx
+++ b/Prezentace/Maturita/2025/11 větvení.pptx
@@ -5,7 +5,7 @@
     <p:sldMasterId id="2147483952" r:id="rId1"/>
   </p:sldMasterIdLst>
   <p:notesMasterIdLst>
-    <p:notesMasterId r:id="rId9"/>
+    <p:notesMasterId r:id="rId8"/>
   </p:notesMasterIdLst>
   <p:sldIdLst>
     <p:sldId id="256" r:id="rId2"/>
@@ -14,7 +14,6 @@
     <p:sldId id="259" r:id="rId5"/>
     <p:sldId id="260" r:id="rId6"/>
     <p:sldId id="261" r:id="rId7"/>
-    <p:sldId id="262" r:id="rId8"/>
   </p:sldIdLst>
   <p:sldSz cx="12192000" cy="6858000"/>
   <p:notesSz cx="6858000" cy="9144000"/>
@@ -203,7 +202,7 @@
           <a:p>
             <a:fld id="{0F4CBD7E-8EC4-40D0-831C-FC6BF586B823}" type="datetimeFigureOut">
               <a:rPr lang="cs-CZ" smtClean="0"/>
-              <a:t>27.01.2025</a:t>
+              <a:t>03.02.2025</a:t>
             </a:fld>
             <a:endParaRPr lang="cs-CZ"/>
           </a:p>
@@ -1276,7 +1275,7 @@
           <a:p>
             <a:fld id="{CCDA23A1-6BD0-48D8-A1FE-BC95074C88FA}" type="datetimeFigureOut">
               <a:rPr lang="cs-CZ" smtClean="0"/>
-              <a:t>27.01.2025</a:t>
+              <a:t>03.02.2025</a:t>
             </a:fld>
             <a:endParaRPr lang="cs-CZ"/>
           </a:p>
@@ -1527,7 +1526,7 @@
           <a:p>
             <a:fld id="{CCDA23A1-6BD0-48D8-A1FE-BC95074C88FA}" type="datetimeFigureOut">
               <a:rPr lang="cs-CZ" smtClean="0"/>
-              <a:t>27.01.2025</a:t>
+              <a:t>03.02.2025</a:t>
             </a:fld>
             <a:endParaRPr lang="cs-CZ"/>
           </a:p>
@@ -1841,7 +1840,7 @@
           <a:p>
             <a:fld id="{CCDA23A1-6BD0-48D8-A1FE-BC95074C88FA}" type="datetimeFigureOut">
               <a:rPr lang="cs-CZ" smtClean="0"/>
-              <a:t>27.01.2025</a:t>
+              <a:t>03.02.2025</a:t>
             </a:fld>
             <a:endParaRPr lang="cs-CZ"/>
           </a:p>
@@ -2182,7 +2181,7 @@
           <a:p>
             <a:fld id="{CCDA23A1-6BD0-48D8-A1FE-BC95074C88FA}" type="datetimeFigureOut">
               <a:rPr lang="cs-CZ" smtClean="0"/>
-              <a:t>27.01.2025</a:t>
+              <a:t>03.02.2025</a:t>
             </a:fld>
             <a:endParaRPr lang="cs-CZ"/>
           </a:p>
@@ -2496,7 +2495,7 @@
           <a:p>
             <a:fld id="{CCDA23A1-6BD0-48D8-A1FE-BC95074C88FA}" type="datetimeFigureOut">
               <a:rPr lang="cs-CZ" smtClean="0"/>
-              <a:t>27.01.2025</a:t>
+              <a:t>03.02.2025</a:t>
             </a:fld>
             <a:endParaRPr lang="cs-CZ"/>
           </a:p>
@@ -2889,7 +2888,7 @@
           <a:p>
             <a:fld id="{CCDA23A1-6BD0-48D8-A1FE-BC95074C88FA}" type="datetimeFigureOut">
               <a:rPr lang="cs-CZ" smtClean="0"/>
-              <a:t>27.01.2025</a:t>
+              <a:t>03.02.2025</a:t>
             </a:fld>
             <a:endParaRPr lang="cs-CZ"/>
           </a:p>
@@ -3059,7 +3058,7 @@
           <a:p>
             <a:fld id="{CCDA23A1-6BD0-48D8-A1FE-BC95074C88FA}" type="datetimeFigureOut">
               <a:rPr lang="cs-CZ" smtClean="0"/>
-              <a:t>27.01.2025</a:t>
+              <a:t>03.02.2025</a:t>
             </a:fld>
             <a:endParaRPr lang="cs-CZ"/>
           </a:p>
@@ -3239,7 +3238,7 @@
           <a:p>
             <a:fld id="{CCDA23A1-6BD0-48D8-A1FE-BC95074C88FA}" type="datetimeFigureOut">
               <a:rPr lang="cs-CZ" smtClean="0"/>
-              <a:t>27.01.2025</a:t>
+              <a:t>03.02.2025</a:t>
             </a:fld>
             <a:endParaRPr lang="cs-CZ"/>
           </a:p>
@@ -3415,7 +3414,7 @@
           <a:p>
             <a:fld id="{CCDA23A1-6BD0-48D8-A1FE-BC95074C88FA}" type="datetimeFigureOut">
               <a:rPr lang="cs-CZ" smtClean="0"/>
-              <a:t>27.01.2025</a:t>
+              <a:t>03.02.2025</a:t>
             </a:fld>
             <a:endParaRPr lang="cs-CZ"/>
           </a:p>
@@ -3662,7 +3661,7 @@
           <a:p>
             <a:fld id="{CCDA23A1-6BD0-48D8-A1FE-BC95074C88FA}" type="datetimeFigureOut">
               <a:rPr lang="cs-CZ" smtClean="0"/>
-              <a:t>27.01.2025</a:t>
+              <a:t>03.02.2025</a:t>
             </a:fld>
             <a:endParaRPr lang="cs-CZ"/>
           </a:p>
@@ -3894,7 +3893,7 @@
           <a:p>
             <a:fld id="{CCDA23A1-6BD0-48D8-A1FE-BC95074C88FA}" type="datetimeFigureOut">
               <a:rPr lang="cs-CZ" smtClean="0"/>
-              <a:t>27.01.2025</a:t>
+              <a:t>03.02.2025</a:t>
             </a:fld>
             <a:endParaRPr lang="cs-CZ"/>
           </a:p>
@@ -4268,7 +4267,7 @@
           <a:p>
             <a:fld id="{CCDA23A1-6BD0-48D8-A1FE-BC95074C88FA}" type="datetimeFigureOut">
               <a:rPr lang="cs-CZ" smtClean="0"/>
-              <a:t>27.01.2025</a:t>
+              <a:t>03.02.2025</a:t>
             </a:fld>
             <a:endParaRPr lang="cs-CZ"/>
           </a:p>
@@ -4391,7 +4390,7 @@
           <a:p>
             <a:fld id="{CCDA23A1-6BD0-48D8-A1FE-BC95074C88FA}" type="datetimeFigureOut">
               <a:rPr lang="cs-CZ" smtClean="0"/>
-              <a:t>27.01.2025</a:t>
+              <a:t>03.02.2025</a:t>
             </a:fld>
             <a:endParaRPr lang="cs-CZ"/>
           </a:p>
@@ -4486,7 +4485,7 @@
           <a:p>
             <a:fld id="{CCDA23A1-6BD0-48D8-A1FE-BC95074C88FA}" type="datetimeFigureOut">
               <a:rPr lang="cs-CZ" smtClean="0"/>
-              <a:t>27.01.2025</a:t>
+              <a:t>03.02.2025</a:t>
             </a:fld>
             <a:endParaRPr lang="cs-CZ"/>
           </a:p>
@@ -4741,7 +4740,7 @@
           <a:p>
             <a:fld id="{CCDA23A1-6BD0-48D8-A1FE-BC95074C88FA}" type="datetimeFigureOut">
               <a:rPr lang="cs-CZ" smtClean="0"/>
-              <a:t>27.01.2025</a:t>
+              <a:t>03.02.2025</a:t>
             </a:fld>
             <a:endParaRPr lang="cs-CZ"/>
           </a:p>
@@ -5004,7 +5003,7 @@
           <a:p>
             <a:fld id="{CCDA23A1-6BD0-48D8-A1FE-BC95074C88FA}" type="datetimeFigureOut">
               <a:rPr lang="cs-CZ" smtClean="0"/>
-              <a:t>27.01.2025</a:t>
+              <a:t>03.02.2025</a:t>
             </a:fld>
             <a:endParaRPr lang="cs-CZ"/>
           </a:p>
@@ -5747,7 +5746,7 @@
           <a:p>
             <a:fld id="{CCDA23A1-6BD0-48D8-A1FE-BC95074C88FA}" type="datetimeFigureOut">
               <a:rPr lang="cs-CZ" smtClean="0"/>
-              <a:t>27.01.2025</a:t>
+              <a:t>03.02.2025</a:t>
             </a:fld>
             <a:endParaRPr lang="cs-CZ"/>
           </a:p>
@@ -6417,7 +6416,7 @@
           <a:p>
             <a:r>
               <a:rPr lang="cs-CZ" sz="1600" dirty="0"/>
-              <a:t>Soubor</a:t>
+              <a:t>Strukturované větvení</a:t>
             </a:r>
           </a:p>
         </p:txBody>
@@ -7253,6 +7252,14 @@
 <file path=ppt/slides/slide2.xml><?xml version="1.0" encoding="utf-8"?>
 <p:sld xmlns:a="http://schemas.openxmlformats.org/drawingml/2006/main" xmlns:r="http://schemas.openxmlformats.org/officeDocument/2006/relationships" xmlns:p="http://schemas.openxmlformats.org/presentationml/2006/main">
   <p:cSld>
+    <p:bg>
+      <p:bgPr>
+        <a:solidFill>
+          <a:schemeClr val="bg1"/>
+        </a:solidFill>
+        <a:effectLst/>
+      </p:bgPr>
+    </p:bg>
     <p:spTree>
       <p:nvGrpSpPr>
         <p:cNvPr id="1" name=""/>
@@ -7267,12 +7274,72 @@
           <a:chExt cx="0" cy="0"/>
         </a:xfrm>
       </p:grpSpPr>
+      <p:sp useBgFill="1">
+        <p:nvSpPr>
+          <p:cNvPr id="8" name="Rectangle 7">
+            <a:extLst>
+              <a:ext uri="{FF2B5EF4-FFF2-40B4-BE49-F238E27FC236}">
+                <a16:creationId xmlns:a16="http://schemas.microsoft.com/office/drawing/2014/main" id="{603AE127-802C-459A-A612-DB85B67F0DC0}"/>
+              </a:ext>
+              <a:ext uri="{C183D7F6-B498-43B3-948B-1728B52AA6E4}">
+                <adec:decorative xmlns:adec="http://schemas.microsoft.com/office/drawing/2017/decorative" val="1"/>
+              </a:ext>
+            </a:extLst>
+          </p:cNvPr>
+          <p:cNvSpPr>
+            <a:spLocks noGrp="1" noRot="1" noChangeAspect="1" noMove="1" noResize="1" noEditPoints="1" noAdjustHandles="1" noChangeArrowheads="1" noChangeShapeType="1" noTextEdit="1"/>
+          </p:cNvSpPr>
+          <p:nvPr>
+            <p:extLst>
+              <p:ext uri="{386F3935-93C4-4BCD-93E2-E3B085C9AB24}">
+                <p16:designElem xmlns:p16="http://schemas.microsoft.com/office/powerpoint/2015/main" val="1"/>
+              </p:ext>
+            </p:extLst>
+          </p:nvPr>
+        </p:nvSpPr>
+        <p:spPr>
+          <a:xfrm>
+            <a:off x="0" y="0"/>
+            <a:ext cx="12192000" cy="6858000"/>
+          </a:xfrm>
+          <a:prstGeom prst="rect">
+            <a:avLst/>
+          </a:prstGeom>
+          <a:ln>
+            <a:noFill/>
+          </a:ln>
+        </p:spPr>
+        <p:style>
+          <a:lnRef idx="2">
+            <a:schemeClr val="accent1">
+              <a:shade val="50000"/>
+            </a:schemeClr>
+          </a:lnRef>
+          <a:fillRef idx="1">
+            <a:schemeClr val="accent1"/>
+          </a:fillRef>
+          <a:effectRef idx="0">
+            <a:schemeClr val="accent1"/>
+          </a:effectRef>
+          <a:fontRef idx="minor">
+            <a:schemeClr val="lt1"/>
+          </a:fontRef>
+        </p:style>
+        <p:txBody>
+          <a:bodyPr rtlCol="0" anchor="ctr"/>
+          <a:lstStyle/>
+          <a:p>
+            <a:pPr algn="ctr"/>
+            <a:endParaRPr lang="en-US"/>
+          </a:p>
+        </p:txBody>
+      </p:sp>
       <p:sp>
         <p:nvSpPr>
           <p:cNvPr id="2" name="Nadpis 1">
             <a:extLst>
               <a:ext uri="{FF2B5EF4-FFF2-40B4-BE49-F238E27FC236}">
-                <a16:creationId xmlns:a16="http://schemas.microsoft.com/office/drawing/2014/main" id="{B255C2CE-9C31-172D-F845-9F79119A01AB}"/>
+                <a16:creationId xmlns:a16="http://schemas.microsoft.com/office/drawing/2014/main" id="{B5F8A5D5-5578-4E7F-B538-DDDBCE7EF925}"/>
               </a:ext>
             </a:extLst>
           </p:cNvPr>
@@ -7283,24 +7350,141 @@
             <p:ph type="title"/>
           </p:nvPr>
         </p:nvSpPr>
-        <p:spPr/>
+        <p:spPr>
+          <a:xfrm>
+            <a:off x="1043950" y="1179151"/>
+            <a:ext cx="3300646" cy="4463889"/>
+          </a:xfrm>
+        </p:spPr>
+        <p:txBody>
+          <a:bodyPr anchor="ctr">
+            <a:normAutofit/>
+          </a:bodyPr>
+          <a:lstStyle/>
+          <a:p>
+            <a:r>
+              <a:rPr lang="cs-CZ" dirty="0"/>
+              <a:t>Větvení programu</a:t>
+            </a:r>
+          </a:p>
+        </p:txBody>
+      </p:sp>
+      <p:sp>
+        <p:nvSpPr>
+          <p:cNvPr id="10" name="Isosceles Triangle 9">
+            <a:extLst>
+              <a:ext uri="{FF2B5EF4-FFF2-40B4-BE49-F238E27FC236}">
+                <a16:creationId xmlns:a16="http://schemas.microsoft.com/office/drawing/2014/main" id="{9323D83D-50D6-4040-A58B-FCEA340F886A}"/>
+              </a:ext>
+              <a:ext uri="{C183D7F6-B498-43B3-948B-1728B52AA6E4}">
+                <adec:decorative xmlns:adec="http://schemas.microsoft.com/office/drawing/2017/decorative" val="1"/>
+              </a:ext>
+            </a:extLst>
+          </p:cNvPr>
+          <p:cNvSpPr>
+            <a:spLocks noGrp="1" noRot="1" noChangeAspect="1" noMove="1" noResize="1" noEditPoints="1" noAdjustHandles="1" noChangeArrowheads="1" noChangeShapeType="1" noTextEdit="1"/>
+          </p:cNvSpPr>
+          <p:nvPr>
+            <p:extLst>
+              <p:ext uri="{386F3935-93C4-4BCD-93E2-E3B085C9AB24}">
+                <p16:designElem xmlns:p16="http://schemas.microsoft.com/office/powerpoint/2015/main" val="1"/>
+              </p:ext>
+            </p:extLst>
+          </p:nvPr>
+        </p:nvSpPr>
+        <p:spPr>
+          <a:xfrm>
+            <a:off x="0" y="4013200"/>
+            <a:ext cx="448733" cy="2844800"/>
+          </a:xfrm>
+          <a:prstGeom prst="triangle">
+            <a:avLst>
+              <a:gd name="adj" fmla="val 0"/>
+            </a:avLst>
+          </a:prstGeom>
+          <a:solidFill>
+            <a:schemeClr val="accent1"/>
+          </a:solidFill>
+          <a:ln>
+            <a:noFill/>
+          </a:ln>
+          <a:effectLst/>
+        </p:spPr>
+        <p:style>
+          <a:lnRef idx="1">
+            <a:schemeClr val="accent1"/>
+          </a:lnRef>
+          <a:fillRef idx="3">
+            <a:schemeClr val="accent1"/>
+          </a:fillRef>
+          <a:effectRef idx="2">
+            <a:schemeClr val="accent1"/>
+          </a:effectRef>
+          <a:fontRef idx="minor">
+            <a:schemeClr val="lt1"/>
+          </a:fontRef>
+        </p:style>
         <p:txBody>
           <a:bodyPr/>
           <a:lstStyle/>
           <a:p>
-            <a:r>
-              <a:rPr lang="cs-CZ" dirty="0"/>
-              <a:t>Práce se souborem</a:t>
-            </a:r>
-          </a:p>
-        </p:txBody>
-      </p:sp>
+            <a:endParaRPr lang="cs-CZ"/>
+          </a:p>
+        </p:txBody>
+      </p:sp>
+      <p:cxnSp>
+        <p:nvCxnSpPr>
+          <p:cNvPr id="12" name="Straight Connector 11">
+            <a:extLst>
+              <a:ext uri="{FF2B5EF4-FFF2-40B4-BE49-F238E27FC236}">
+                <a16:creationId xmlns:a16="http://schemas.microsoft.com/office/drawing/2014/main" id="{1A1FE6BB-DFB2-4080-9B5E-076EF5DDE67B}"/>
+              </a:ext>
+              <a:ext uri="{C183D7F6-B498-43B3-948B-1728B52AA6E4}">
+                <adec:decorative xmlns:adec="http://schemas.microsoft.com/office/drawing/2017/decorative" val="1"/>
+              </a:ext>
+            </a:extLst>
+          </p:cNvPr>
+          <p:cNvCxnSpPr>
+            <a:cxnSpLocks noGrp="1" noRot="1" noChangeAspect="1" noMove="1" noResize="1" noEditPoints="1" noAdjustHandles="1" noChangeArrowheads="1" noChangeShapeType="1"/>
+          </p:cNvCxnSpPr>
+          <p:nvPr>
+            <p:extLst>
+              <p:ext uri="{386F3935-93C4-4BCD-93E2-E3B085C9AB24}">
+                <p16:designElem xmlns:p16="http://schemas.microsoft.com/office/powerpoint/2015/main" val="1"/>
+              </p:ext>
+            </p:extLst>
+          </p:nvPr>
+        </p:nvCxnSpPr>
+        <p:spPr>
+          <a:xfrm>
+            <a:off x="4656670" y="1442595"/>
+            <a:ext cx="0" cy="3937000"/>
+          </a:xfrm>
+          <a:prstGeom prst="line">
+            <a:avLst/>
+          </a:prstGeom>
+        </p:spPr>
+        <p:style>
+          <a:lnRef idx="1">
+            <a:schemeClr val="accent1"/>
+          </a:lnRef>
+          <a:fillRef idx="0">
+            <a:schemeClr val="accent1"/>
+          </a:fillRef>
+          <a:effectRef idx="0">
+            <a:schemeClr val="accent1"/>
+          </a:effectRef>
+          <a:fontRef idx="minor">
+            <a:schemeClr val="tx1"/>
+          </a:fontRef>
+        </p:style>
+      </p:cxnSp>
       <p:sp>
         <p:nvSpPr>
           <p:cNvPr id="3" name="Zástupný obsah 2">
             <a:extLst>
               <a:ext uri="{FF2B5EF4-FFF2-40B4-BE49-F238E27FC236}">
-                <a16:creationId xmlns:a16="http://schemas.microsoft.com/office/drawing/2014/main" id="{08D74CB0-3BC7-72E9-28C2-4CBC1D8B7949}"/>
+                <a16:creationId xmlns:a16="http://schemas.microsoft.com/office/drawing/2014/main" id="{7DABE493-58F6-E909-2F67-8DFB89891EE2}"/>
               </a:ext>
             </a:extLst>
           </p:cNvPr>
@@ -7311,64 +7495,139 @@
             <p:ph idx="1"/>
           </p:nvPr>
         </p:nvSpPr>
-        <p:spPr/>
+        <p:spPr>
+          <a:xfrm>
+            <a:off x="4978918" y="1109145"/>
+            <a:ext cx="6341016" cy="4603900"/>
+          </a:xfrm>
+        </p:spPr>
+        <p:txBody>
+          <a:bodyPr anchor="ctr">
+            <a:normAutofit/>
+          </a:bodyPr>
+          <a:lstStyle/>
+          <a:p>
+            <a:r>
+              <a:rPr lang="cs-CZ" dirty="0"/>
+              <a:t>Základní strukturovaná konstrukce umožňující výběru následující sekvence příkazů na základě daného pravidla</a:t>
+            </a:r>
+          </a:p>
+          <a:p>
+            <a:r>
+              <a:rPr lang="cs-CZ" dirty="0"/>
+              <a:t>Program se tak může sám rozhodnout, jak bude pokračovat</a:t>
+            </a:r>
+          </a:p>
+          <a:p>
+            <a:r>
+              <a:rPr lang="cs-CZ" u="sng" dirty="0"/>
+              <a:t>Možnosti větvení:</a:t>
+            </a:r>
+          </a:p>
+          <a:p>
+            <a:pPr lvl="1"/>
+            <a:r>
+              <a:rPr lang="cs-CZ" dirty="0" err="1"/>
+              <a:t>If</a:t>
+            </a:r>
+            <a:endParaRPr lang="cs-CZ" dirty="0"/>
+          </a:p>
+          <a:p>
+            <a:pPr lvl="1"/>
+            <a:r>
+              <a:rPr lang="cs-CZ" dirty="0" err="1"/>
+              <a:t>If-else</a:t>
+            </a:r>
+            <a:endParaRPr lang="cs-CZ" dirty="0"/>
+          </a:p>
+          <a:p>
+            <a:pPr lvl="1"/>
+            <a:r>
+              <a:rPr lang="cs-CZ" dirty="0"/>
+              <a:t>Else-</a:t>
+            </a:r>
+            <a:r>
+              <a:rPr lang="cs-CZ" dirty="0" err="1"/>
+              <a:t>if</a:t>
+            </a:r>
+            <a:endParaRPr lang="cs-CZ" dirty="0"/>
+          </a:p>
+          <a:p>
+            <a:pPr lvl="1"/>
+            <a:r>
+              <a:rPr lang="cs-CZ" dirty="0"/>
+              <a:t>Switch</a:t>
+            </a:r>
+          </a:p>
+        </p:txBody>
+      </p:sp>
+      <p:sp>
+        <p:nvSpPr>
+          <p:cNvPr id="14" name="Isosceles Triangle 13">
+            <a:extLst>
+              <a:ext uri="{FF2B5EF4-FFF2-40B4-BE49-F238E27FC236}">
+                <a16:creationId xmlns:a16="http://schemas.microsoft.com/office/drawing/2014/main" id="{F10FD715-4DCE-4779-B634-EC78315EA213}"/>
+              </a:ext>
+              <a:ext uri="{C183D7F6-B498-43B3-948B-1728B52AA6E4}">
+                <adec:decorative xmlns:adec="http://schemas.microsoft.com/office/drawing/2017/decorative" val="1"/>
+              </a:ext>
+            </a:extLst>
+          </p:cNvPr>
+          <p:cNvSpPr>
+            <a:spLocks noGrp="1" noRot="1" noChangeAspect="1" noMove="1" noResize="1" noEditPoints="1" noAdjustHandles="1" noChangeArrowheads="1" noChangeShapeType="1" noTextEdit="1"/>
+          </p:cNvSpPr>
+          <p:nvPr>
+            <p:extLst>
+              <p:ext uri="{386F3935-93C4-4BCD-93E2-E3B085C9AB24}">
+                <p16:designElem xmlns:p16="http://schemas.microsoft.com/office/powerpoint/2015/main" val="1"/>
+              </p:ext>
+            </p:extLst>
+          </p:nvPr>
+        </p:nvSpPr>
+        <p:spPr>
+          <a:xfrm rot="10800000" flipH="1">
+            <a:off x="11364139" y="0"/>
+            <a:ext cx="842596" cy="4616289"/>
+          </a:xfrm>
+          <a:prstGeom prst="triangle">
+            <a:avLst>
+              <a:gd name="adj" fmla="val 100000"/>
+            </a:avLst>
+          </a:prstGeom>
+          <a:solidFill>
+            <a:schemeClr val="accent2"/>
+          </a:solidFill>
+          <a:ln>
+            <a:noFill/>
+          </a:ln>
+          <a:effectLst/>
+        </p:spPr>
+        <p:style>
+          <a:lnRef idx="1">
+            <a:schemeClr val="accent1"/>
+          </a:lnRef>
+          <a:fillRef idx="3">
+            <a:schemeClr val="accent1"/>
+          </a:fillRef>
+          <a:effectRef idx="2">
+            <a:schemeClr val="accent1"/>
+          </a:effectRef>
+          <a:fontRef idx="minor">
+            <a:schemeClr val="lt1"/>
+          </a:fontRef>
+        </p:style>
         <p:txBody>
           <a:bodyPr/>
           <a:lstStyle/>
           <a:p>
-            <a:r>
-              <a:rPr lang="cs-CZ" dirty="0"/>
-              <a:t>Knihovna System.IO</a:t>
-            </a:r>
-          </a:p>
-          <a:p>
-            <a:r>
-              <a:rPr lang="cs-CZ" dirty="0"/>
-              <a:t>Pro práci se souborem využíváme STREAM (datový proud)</a:t>
-            </a:r>
-          </a:p>
-          <a:p>
-            <a:r>
-              <a:rPr lang="cs-CZ" dirty="0"/>
-              <a:t>Na základě typu souboru využíváme konkrétní třídu streamu</a:t>
-            </a:r>
-          </a:p>
-          <a:p>
-            <a:endParaRPr lang="cs-CZ" dirty="0"/>
-          </a:p>
-          <a:p>
-            <a:r>
-              <a:rPr lang="cs-CZ" dirty="0"/>
-              <a:t>Postup práce se souborem</a:t>
-            </a:r>
-          </a:p>
-          <a:p>
-            <a:pPr lvl="1"/>
-            <a:r>
-              <a:rPr lang="cs-CZ" dirty="0"/>
-              <a:t>Vytvoření streamu pro čtení nebo zápis</a:t>
-            </a:r>
-          </a:p>
-          <a:p>
-            <a:pPr lvl="1"/>
-            <a:r>
-              <a:rPr lang="cs-CZ" dirty="0"/>
-              <a:t>Práce se souborem</a:t>
-            </a:r>
-          </a:p>
-          <a:p>
-            <a:pPr lvl="1"/>
-            <a:r>
-              <a:rPr lang="cs-CZ" dirty="0"/>
-              <a:t>Uzavření streamu</a:t>
-            </a:r>
+            <a:endParaRPr lang="cs-CZ"/>
           </a:p>
         </p:txBody>
       </p:sp>
     </p:spTree>
     <p:extLst>
       <p:ext uri="{BB962C8B-B14F-4D97-AF65-F5344CB8AC3E}">
-        <p14:creationId xmlns:p14="http://schemas.microsoft.com/office/powerpoint/2010/main" val="2876871635"/>
+        <p14:creationId xmlns:p14="http://schemas.microsoft.com/office/powerpoint/2010/main" val="3283260818"/>
       </p:ext>
     </p:extLst>
   </p:cSld>
@@ -7400,7 +7659,7 @@
           <p:cNvPr id="2" name="Nadpis 1">
             <a:extLst>
               <a:ext uri="{FF2B5EF4-FFF2-40B4-BE49-F238E27FC236}">
-                <a16:creationId xmlns:a16="http://schemas.microsoft.com/office/drawing/2014/main" id="{7E49BBA8-E758-8C03-4310-54313723E5B1}"/>
+                <a16:creationId xmlns:a16="http://schemas.microsoft.com/office/drawing/2014/main" id="{10C359EC-92F9-0AE4-1436-DCE19272E603}"/>
               </a:ext>
             </a:extLst>
           </p:cNvPr>
@@ -7418,13 +7677,8 @@
           <a:p>
             <a:r>
               <a:rPr lang="cs-CZ" dirty="0"/>
-              <a:t>Třída </a:t>
-            </a:r>
-            <a:r>
-              <a:rPr lang="cs-CZ" dirty="0" err="1"/>
-              <a:t>File</a:t>
-            </a:r>
-            <a:endParaRPr lang="cs-CZ" dirty="0"/>
+              <a:t>IF</a:t>
+            </a:r>
           </a:p>
         </p:txBody>
       </p:sp>
@@ -7433,7 +7687,7 @@
           <p:cNvPr id="3" name="Zástupný obsah 2">
             <a:extLst>
               <a:ext uri="{FF2B5EF4-FFF2-40B4-BE49-F238E27FC236}">
-                <a16:creationId xmlns:a16="http://schemas.microsoft.com/office/drawing/2014/main" id="{3CCC5CFD-5D73-9280-AF48-3B5FCAACABB9}"/>
+                <a16:creationId xmlns:a16="http://schemas.microsoft.com/office/drawing/2014/main" id="{C92C2383-0687-E062-FA3F-58E5D06F09C2}"/>
               </a:ext>
             </a:extLst>
           </p:cNvPr>
@@ -7451,54 +7705,77 @@
           <a:p>
             <a:r>
               <a:rPr lang="cs-CZ" dirty="0"/>
-              <a:t>Statická třída pro práci se souborem</a:t>
-            </a:r>
-          </a:p>
-          <a:p>
+              <a:t>Příkaz </a:t>
+            </a:r>
+            <a:r>
+              <a:rPr lang="cs-CZ" b="1" dirty="0" err="1"/>
+              <a:t>if</a:t>
+            </a:r>
             <a:r>
               <a:rPr lang="cs-CZ" dirty="0"/>
-              <a:t>Třída umožňuje čtená a zápis pro binární i textové soubory</a:t>
+              <a:t> je nejjednodušším typem podmíněného větvení</a:t>
             </a:r>
           </a:p>
           <a:p>
             <a:r>
               <a:rPr lang="cs-CZ" dirty="0"/>
-              <a:t>Rovněž umožňuje soubor</a:t>
-            </a:r>
-          </a:p>
-          <a:p>
-            <a:pPr lvl="1"/>
+              <a:t>Umožňuje programu provést určitý blok kódu pouze tehdy, pokud je určitá podmínka splněna</a:t>
+            </a:r>
+          </a:p>
+          <a:p>
             <a:r>
               <a:rPr lang="cs-CZ" dirty="0"/>
-              <a:t>Mazat</a:t>
-            </a:r>
-          </a:p>
-          <a:p>
-            <a:pPr lvl="1"/>
-            <a:r>
-              <a:rPr lang="cs-CZ" dirty="0"/>
-              <a:t>Kopírovat</a:t>
-            </a:r>
-          </a:p>
-          <a:p>
-            <a:pPr lvl="1"/>
-            <a:r>
-              <a:rPr lang="cs-CZ" dirty="0"/>
-              <a:t>Zjistit jeho existenci</a:t>
-            </a:r>
-          </a:p>
-          <a:p>
-            <a:r>
-              <a:rPr lang="cs-CZ" dirty="0"/>
-              <a:t>Pro práci s touto třídou není třeba vytvářet datový proud</a:t>
-            </a:r>
-          </a:p>
-        </p:txBody>
-      </p:sp>
+              <a:t>Podmínka musí být jednoznačná a její výsledek musí být pravda/nepravda</a:t>
+            </a:r>
+          </a:p>
+          <a:p>
+            <a:endParaRPr lang="cs-CZ" dirty="0"/>
+          </a:p>
+          <a:p>
+            <a:r>
+              <a:rPr lang="cs-CZ" u="sng" dirty="0"/>
+              <a:t>Syntaxe:</a:t>
+            </a:r>
+          </a:p>
+          <a:p>
+            <a:endParaRPr lang="cs-CZ" dirty="0"/>
+          </a:p>
+        </p:txBody>
+      </p:sp>
+      <p:pic>
+        <p:nvPicPr>
+          <p:cNvPr id="6" name="Obrázek 5">
+            <a:extLst>
+              <a:ext uri="{FF2B5EF4-FFF2-40B4-BE49-F238E27FC236}">
+                <a16:creationId xmlns:a16="http://schemas.microsoft.com/office/drawing/2014/main" id="{71912EDC-4E57-1950-FAD3-1CB5F563E868}"/>
+              </a:ext>
+            </a:extLst>
+          </p:cNvPr>
+          <p:cNvPicPr>
+            <a:picLocks noChangeAspect="1"/>
+          </p:cNvPicPr>
+          <p:nvPr/>
+        </p:nvPicPr>
+        <p:blipFill>
+          <a:blip r:embed="rId2"/>
+          <a:stretch>
+            <a:fillRect/>
+          </a:stretch>
+        </p:blipFill>
+        <p:spPr>
+          <a:xfrm>
+            <a:off x="1684947" y="4751256"/>
+            <a:ext cx="6581442" cy="1019660"/>
+          </a:xfrm>
+          <a:prstGeom prst="rect">
+            <a:avLst/>
+          </a:prstGeom>
+        </p:spPr>
+      </p:pic>
     </p:spTree>
     <p:extLst>
       <p:ext uri="{BB962C8B-B14F-4D97-AF65-F5344CB8AC3E}">
-        <p14:creationId xmlns:p14="http://schemas.microsoft.com/office/powerpoint/2010/main" val="3182703390"/>
+        <p14:creationId xmlns:p14="http://schemas.microsoft.com/office/powerpoint/2010/main" val="2763713303"/>
       </p:ext>
     </p:extLst>
   </p:cSld>
@@ -7530,7 +7807,7 @@
           <p:cNvPr id="2" name="Nadpis 1">
             <a:extLst>
               <a:ext uri="{FF2B5EF4-FFF2-40B4-BE49-F238E27FC236}">
-                <a16:creationId xmlns:a16="http://schemas.microsoft.com/office/drawing/2014/main" id="{4A0D1AD2-000C-E637-23EC-80C45E99B246}"/>
+                <a16:creationId xmlns:a16="http://schemas.microsoft.com/office/drawing/2014/main" id="{F1D72D03-276E-9E58-BF32-ACBE662DA5A2}"/>
               </a:ext>
             </a:extLst>
           </p:cNvPr>
@@ -7548,7 +7825,7 @@
           <a:p>
             <a:r>
               <a:rPr lang="cs-CZ" dirty="0"/>
-              <a:t>Typy souborů</a:t>
+              <a:t>IF ELSE</a:t>
             </a:r>
           </a:p>
         </p:txBody>
@@ -7558,7 +7835,7 @@
           <p:cNvPr id="3" name="Zástupný obsah 2">
             <a:extLst>
               <a:ext uri="{FF2B5EF4-FFF2-40B4-BE49-F238E27FC236}">
-                <a16:creationId xmlns:a16="http://schemas.microsoft.com/office/drawing/2014/main" id="{D8C68E07-D51E-BDD0-4D1F-5BE1EDC11D5B}"/>
+                <a16:creationId xmlns:a16="http://schemas.microsoft.com/office/drawing/2014/main" id="{8BF0EEC9-A78A-E4BC-3354-24AB0D58AF04}"/>
               </a:ext>
             </a:extLst>
           </p:cNvPr>
@@ -7576,117 +7853,62 @@
           <a:p>
             <a:r>
               <a:rPr lang="cs-CZ" dirty="0"/>
-              <a:t>Binární soubory</a:t>
-            </a:r>
-          </a:p>
-          <a:p>
-            <a:pPr lvl="1"/>
+              <a:t>Příkaz </a:t>
+            </a:r>
+            <a:r>
+              <a:rPr lang="cs-CZ" b="1" dirty="0" err="1"/>
+              <a:t>if-else</a:t>
+            </a:r>
             <a:r>
               <a:rPr lang="cs-CZ" dirty="0"/>
-              <a:t>Veřejné (.</a:t>
-            </a:r>
-            <a:r>
-              <a:rPr lang="cs-CZ" dirty="0" err="1"/>
-              <a:t>png</a:t>
-            </a:r>
-            <a:r>
-              <a:rPr lang="cs-CZ" dirty="0"/>
-              <a:t>, .</a:t>
-            </a:r>
-            <a:r>
-              <a:rPr lang="cs-CZ" dirty="0" err="1"/>
-              <a:t>jpg</a:t>
-            </a:r>
-            <a:r>
-              <a:rPr lang="cs-CZ" dirty="0"/>
-              <a:t>, …)</a:t>
-            </a:r>
-          </a:p>
-          <a:p>
-            <a:pPr lvl="1"/>
-            <a:r>
-              <a:rPr lang="cs-CZ" dirty="0"/>
-              <a:t>Proprietární (.</a:t>
-            </a:r>
-            <a:r>
-              <a:rPr lang="cs-CZ" dirty="0" err="1"/>
-              <a:t>dockx</a:t>
-            </a:r>
-            <a:r>
-              <a:rPr lang="cs-CZ" dirty="0"/>
-              <a:t>, …)</a:t>
-            </a:r>
-          </a:p>
-          <a:p>
-            <a:r>
-              <a:rPr lang="cs-CZ" dirty="0"/>
-              <a:t>Textové soubory</a:t>
-            </a:r>
-          </a:p>
-          <a:p>
-            <a:pPr lvl="1"/>
-            <a:r>
-              <a:rPr lang="cs-CZ" dirty="0"/>
-              <a:t>Strukturované (.</a:t>
-            </a:r>
-            <a:r>
-              <a:rPr lang="cs-CZ" dirty="0" err="1"/>
-              <a:t>csv</a:t>
-            </a:r>
-            <a:r>
-              <a:rPr lang="cs-CZ" dirty="0"/>
-              <a:t>, .</a:t>
-            </a:r>
-            <a:r>
-              <a:rPr lang="cs-CZ" dirty="0" err="1"/>
-              <a:t>xml</a:t>
-            </a:r>
-            <a:r>
-              <a:rPr lang="cs-CZ" dirty="0"/>
-              <a:t>, …)</a:t>
-            </a:r>
-          </a:p>
-          <a:p>
-            <a:pPr lvl="1"/>
-            <a:r>
-              <a:rPr lang="cs-CZ" dirty="0"/>
-              <a:t>Nestrukturované (.</a:t>
-            </a:r>
-            <a:r>
-              <a:rPr lang="cs-CZ" dirty="0" err="1"/>
-              <a:t>txt</a:t>
-            </a:r>
-            <a:r>
-              <a:rPr lang="cs-CZ" dirty="0"/>
-              <a:t>)</a:t>
+              <a:t> umožňuje programu provést jeden blok kódu, pokud je podmínka splněna, a jiný blok kódu, pokud podmínka není splněna</a:t>
+            </a:r>
+          </a:p>
+          <a:p>
+            <a:r>
+              <a:rPr lang="cs-CZ" u="sng" dirty="0"/>
+              <a:t>Syntaxe:</a:t>
             </a:r>
           </a:p>
           <a:p>
             <a:endParaRPr lang="cs-CZ" dirty="0"/>
           </a:p>
-          <a:p>
-            <a:r>
-              <a:rPr lang="cs-CZ" dirty="0"/>
-              <a:t>K souborům přistupujeme skrze cestu (</a:t>
-            </a:r>
-            <a:r>
-              <a:rPr lang="cs-CZ" dirty="0" err="1"/>
-              <a:t>path</a:t>
-            </a:r>
-            <a:r>
-              <a:rPr lang="cs-CZ" dirty="0"/>
-              <a:t>) v textové podobě</a:t>
-            </a:r>
-          </a:p>
-          <a:p>
-            <a:endParaRPr lang="cs-CZ" dirty="0"/>
-          </a:p>
-        </p:txBody>
-      </p:sp>
+        </p:txBody>
+      </p:sp>
+      <p:pic>
+        <p:nvPicPr>
+          <p:cNvPr id="6" name="Obrázek 5">
+            <a:extLst>
+              <a:ext uri="{FF2B5EF4-FFF2-40B4-BE49-F238E27FC236}">
+                <a16:creationId xmlns:a16="http://schemas.microsoft.com/office/drawing/2014/main" id="{CB599328-4315-CA3A-75E0-9AC423AE54CD}"/>
+              </a:ext>
+            </a:extLst>
+          </p:cNvPr>
+          <p:cNvPicPr>
+            <a:picLocks noChangeAspect="1"/>
+          </p:cNvPicPr>
+          <p:nvPr/>
+        </p:nvPicPr>
+        <p:blipFill>
+          <a:blip r:embed="rId2"/>
+          <a:stretch>
+            <a:fillRect/>
+          </a:stretch>
+        </p:blipFill>
+        <p:spPr>
+          <a:xfrm>
+            <a:off x="1591700" y="3554129"/>
+            <a:ext cx="6767935" cy="1383062"/>
+          </a:xfrm>
+          <a:prstGeom prst="rect">
+            <a:avLst/>
+          </a:prstGeom>
+        </p:spPr>
+      </p:pic>
     </p:spTree>
     <p:extLst>
       <p:ext uri="{BB962C8B-B14F-4D97-AF65-F5344CB8AC3E}">
-        <p14:creationId xmlns:p14="http://schemas.microsoft.com/office/powerpoint/2010/main" val="1496844050"/>
+        <p14:creationId xmlns:p14="http://schemas.microsoft.com/office/powerpoint/2010/main" val="2473149507"/>
       </p:ext>
     </p:extLst>
   </p:cSld>
@@ -7718,7 +7940,7 @@
           <p:cNvPr id="2" name="Nadpis 1">
             <a:extLst>
               <a:ext uri="{FF2B5EF4-FFF2-40B4-BE49-F238E27FC236}">
-                <a16:creationId xmlns:a16="http://schemas.microsoft.com/office/drawing/2014/main" id="{8F56E141-F637-375F-55DF-C44E029F90BA}"/>
+                <a16:creationId xmlns:a16="http://schemas.microsoft.com/office/drawing/2014/main" id="{176F92EC-0DDD-5CCA-135F-A82D5A37E669}"/>
               </a:ext>
             </a:extLst>
           </p:cNvPr>
@@ -7735,10 +7957,9 @@
           <a:lstStyle/>
           <a:p>
             <a:r>
-              <a:rPr lang="cs-CZ" dirty="0" err="1"/>
-              <a:t>FileStream</a:t>
-            </a:r>
-            <a:endParaRPr lang="cs-CZ" dirty="0"/>
+              <a:rPr lang="cs-CZ" dirty="0"/>
+              <a:t>ELSE IF</a:t>
+            </a:r>
           </a:p>
         </p:txBody>
       </p:sp>
@@ -7747,7 +7968,7 @@
           <p:cNvPr id="3" name="Zástupný obsah 2">
             <a:extLst>
               <a:ext uri="{FF2B5EF4-FFF2-40B4-BE49-F238E27FC236}">
-                <a16:creationId xmlns:a16="http://schemas.microsoft.com/office/drawing/2014/main" id="{088DEF64-1E1C-EA73-B66C-4D1009B09B57}"/>
+                <a16:creationId xmlns:a16="http://schemas.microsoft.com/office/drawing/2014/main" id="{D92369B0-246F-A88C-936E-C0523D6CB306}"/>
               </a:ext>
             </a:extLst>
           </p:cNvPr>
@@ -7765,44 +7986,24 @@
           <a:p>
             <a:r>
               <a:rPr lang="cs-CZ" dirty="0"/>
-              <a:t>Třída pro práci s binárními soubory</a:t>
-            </a:r>
-          </a:p>
-          <a:p>
+              <a:t>Příkaz </a:t>
+            </a:r>
+            <a:r>
+              <a:rPr lang="cs-CZ" b="1" dirty="0" err="1"/>
+              <a:t>else-if</a:t>
+            </a:r>
             <a:r>
               <a:rPr lang="cs-CZ" dirty="0"/>
-              <a:t>Při čtení i zápisu se data převádí na bloky bytů</a:t>
-            </a:r>
-          </a:p>
-          <a:p>
-            <a:r>
-              <a:rPr lang="cs-CZ" dirty="0"/>
-              <a:t>Pro zápis existuje pouze funkce </a:t>
-            </a:r>
-            <a:r>
-              <a:rPr lang="cs-CZ" dirty="0" err="1"/>
-              <a:t>Write</a:t>
-            </a:r>
+              <a:t> umožňuje programu testovat více podmínek za sebou a provést odpovídající kód, pokud některá z těchto podmínek je splněna</a:t>
+            </a:r>
+          </a:p>
+          <a:p>
             <a:endParaRPr lang="cs-CZ" dirty="0"/>
           </a:p>
           <a:p>
             <a:r>
-              <a:rPr lang="cs-CZ" dirty="0"/>
-              <a:t>Při zápisu i čtení je třeba myslet na použité kódování</a:t>
-            </a:r>
-          </a:p>
-          <a:p>
-            <a:r>
-              <a:rPr lang="cs-CZ" dirty="0"/>
-              <a:t>Pomocí funkce </a:t>
-            </a:r>
-            <a:r>
-              <a:rPr lang="cs-CZ" dirty="0" err="1"/>
-              <a:t>GetBytes</a:t>
-            </a:r>
-            <a:r>
-              <a:rPr lang="cs-CZ" dirty="0"/>
-              <a:t>() převedeme data do potřebné podoby</a:t>
+              <a:rPr lang="cs-CZ" u="sng" dirty="0"/>
+              <a:t>Syntaxe:</a:t>
             </a:r>
           </a:p>
           <a:p>
@@ -7812,10 +8013,10 @@
       </p:sp>
       <p:pic>
         <p:nvPicPr>
-          <p:cNvPr id="5" name="Obrázek 4">
+          <p:cNvPr id="6" name="Obrázek 5">
             <a:extLst>
               <a:ext uri="{FF2B5EF4-FFF2-40B4-BE49-F238E27FC236}">
-                <a16:creationId xmlns:a16="http://schemas.microsoft.com/office/drawing/2014/main" id="{FC0C65E4-6530-BEAA-C454-8DD5B0210996}"/>
+                <a16:creationId xmlns:a16="http://schemas.microsoft.com/office/drawing/2014/main" id="{DC50DC75-2277-CF5F-0ED5-0C33D5BB5A30}"/>
               </a:ext>
             </a:extLst>
           </p:cNvPr>
@@ -7832,8 +8033,8 @@
         </p:blipFill>
         <p:spPr>
           <a:xfrm>
-            <a:off x="1097280" y="4347046"/>
-            <a:ext cx="5683898" cy="1522048"/>
+            <a:off x="677334" y="4011555"/>
+            <a:ext cx="8507252" cy="1908471"/>
           </a:xfrm>
           <a:prstGeom prst="rect">
             <a:avLst/>
@@ -7843,7 +8044,7 @@
     </p:spTree>
     <p:extLst>
       <p:ext uri="{BB962C8B-B14F-4D97-AF65-F5344CB8AC3E}">
-        <p14:creationId xmlns:p14="http://schemas.microsoft.com/office/powerpoint/2010/main" val="2601043647"/>
+        <p14:creationId xmlns:p14="http://schemas.microsoft.com/office/powerpoint/2010/main" val="3820494211"/>
       </p:ext>
     </p:extLst>
   </p:cSld>
@@ -7856,6 +8057,14 @@
 <file path=ppt/slides/slide6.xml><?xml version="1.0" encoding="utf-8"?>
 <p:sld xmlns:a="http://schemas.openxmlformats.org/drawingml/2006/main" xmlns:r="http://schemas.openxmlformats.org/officeDocument/2006/relationships" xmlns:p="http://schemas.openxmlformats.org/presentationml/2006/main">
   <p:cSld>
+    <p:bg>
+      <p:bgPr>
+        <a:solidFill>
+          <a:schemeClr val="bg1"/>
+        </a:solidFill>
+        <a:effectLst/>
+      </p:bgPr>
+    </p:bg>
     <p:spTree>
       <p:nvGrpSpPr>
         <p:cNvPr id="1" name=""/>
@@ -7875,7 +8084,7 @@
           <p:cNvPr id="2" name="Nadpis 1">
             <a:extLst>
               <a:ext uri="{FF2B5EF4-FFF2-40B4-BE49-F238E27FC236}">
-                <a16:creationId xmlns:a16="http://schemas.microsoft.com/office/drawing/2014/main" id="{9F32960E-616D-E8FB-75FF-06FED58381CF}"/>
+                <a16:creationId xmlns:a16="http://schemas.microsoft.com/office/drawing/2014/main" id="{524CAFF3-C887-953C-549B-ABA1351962D1}"/>
               </a:ext>
             </a:extLst>
           </p:cNvPr>
@@ -7886,24 +8095,22 @@
             <p:ph type="title"/>
           </p:nvPr>
         </p:nvSpPr>
-        <p:spPr/>
-        <p:txBody>
-          <a:bodyPr/>
-          <a:lstStyle/>
-          <a:p>
-            <a:r>
-              <a:rPr lang="cs-CZ" dirty="0" err="1"/>
-              <a:t>StreamReader</a:t>
-            </a:r>
+        <p:spPr>
+          <a:xfrm>
+            <a:off x="676746" y="609600"/>
+            <a:ext cx="3729076" cy="1320800"/>
+          </a:xfrm>
+        </p:spPr>
+        <p:txBody>
+          <a:bodyPr anchor="ctr">
+            <a:normAutofit/>
+          </a:bodyPr>
+          <a:lstStyle/>
+          <a:p>
             <a:r>
               <a:rPr lang="cs-CZ" dirty="0"/>
-              <a:t>, </a:t>
-            </a:r>
-            <a:r>
-              <a:rPr lang="cs-CZ" dirty="0" err="1"/>
-              <a:t>StreamWriter</a:t>
-            </a:r>
-            <a:endParaRPr lang="cs-CZ" dirty="0"/>
+              <a:t>SWITCH</a:t>
+            </a:r>
           </a:p>
         </p:txBody>
       </p:sp>
@@ -7912,7 +8119,7 @@
           <p:cNvPr id="3" name="Zástupný obsah 2">
             <a:extLst>
               <a:ext uri="{FF2B5EF4-FFF2-40B4-BE49-F238E27FC236}">
-                <a16:creationId xmlns:a16="http://schemas.microsoft.com/office/drawing/2014/main" id="{B6ADF270-F713-0030-25AD-F0FB8EB69E17}"/>
+                <a16:creationId xmlns:a16="http://schemas.microsoft.com/office/drawing/2014/main" id="{DBFFD04E-D1FB-375C-8EF4-63E24F401064}"/>
               </a:ext>
             </a:extLst>
           </p:cNvPr>
@@ -7923,53 +8130,54 @@
             <p:ph idx="1"/>
           </p:nvPr>
         </p:nvSpPr>
-        <p:spPr/>
-        <p:txBody>
-          <a:bodyPr/>
-          <a:lstStyle/>
-          <a:p>
-            <a:r>
-              <a:rPr lang="cs-CZ"/>
-              <a:t>Třídy umožňující přenos textových souborů</a:t>
-            </a:r>
-          </a:p>
-          <a:p>
-            <a:r>
-              <a:rPr lang="cs-CZ"/>
-              <a:t>Data zapisujeme a čteme v podobě řetězců</a:t>
-            </a:r>
-          </a:p>
-          <a:p>
-            <a:pPr lvl="1"/>
-            <a:r>
-              <a:rPr lang="cs-CZ"/>
-              <a:t>Data jsou z bloků bytů konvertovány na string</a:t>
-            </a:r>
-          </a:p>
-          <a:p>
-            <a:r>
-              <a:rPr lang="cs-CZ"/>
-              <a:t>Přístupem čtení a zápisu se přibližují práci s konzolí</a:t>
-            </a:r>
-          </a:p>
-          <a:p>
-            <a:pPr marL="0" indent="0">
-              <a:buNone/>
-            </a:pPr>
-            <a:r>
-              <a:rPr lang="cs-CZ"/>
-              <a:t> </a:t>
-            </a:r>
+        <p:spPr>
+          <a:xfrm>
+            <a:off x="685167" y="2160589"/>
+            <a:ext cx="3720916" cy="3560733"/>
+          </a:xfrm>
+        </p:spPr>
+        <p:txBody>
+          <a:bodyPr>
+            <a:normAutofit/>
+          </a:bodyPr>
+          <a:lstStyle/>
+          <a:p>
+            <a:r>
+              <a:rPr lang="cs-CZ" dirty="0"/>
+              <a:t>Příkaz </a:t>
+            </a:r>
+            <a:r>
+              <a:rPr lang="cs-CZ" b="1" dirty="0"/>
+              <a:t>switch</a:t>
+            </a:r>
+            <a:r>
+              <a:rPr lang="cs-CZ" dirty="0"/>
+              <a:t> poskytuje alternativní způsob větvení, který umožňuje programu provádět různé akce na základě hodnoty jedné proměnné</a:t>
+            </a:r>
+          </a:p>
+          <a:p>
+            <a:r>
+              <a:rPr lang="cs-CZ" dirty="0"/>
+              <a:t>Výraz, který sledujeme je jednoduchého datového typu a sledované hodnoty jsou stejného typu</a:t>
+            </a:r>
+          </a:p>
+          <a:p>
+            <a:r>
+              <a:rPr lang="cs-CZ" u="sng" dirty="0"/>
+              <a:t>Syntaxe:</a:t>
+            </a:r>
+          </a:p>
+          <a:p>
             <a:endParaRPr lang="cs-CZ" dirty="0"/>
           </a:p>
         </p:txBody>
       </p:sp>
       <p:pic>
         <p:nvPicPr>
-          <p:cNvPr id="5" name="Obrázek 4">
+          <p:cNvPr id="6" name="Obrázek 5">
             <a:extLst>
               <a:ext uri="{FF2B5EF4-FFF2-40B4-BE49-F238E27FC236}">
-                <a16:creationId xmlns:a16="http://schemas.microsoft.com/office/drawing/2014/main" id="{248B2E10-1B76-E19D-B812-DD5C7E0A6E39}"/>
+                <a16:creationId xmlns:a16="http://schemas.microsoft.com/office/drawing/2014/main" id="{C151EFE7-999B-E882-F2C2-9DD69ADADC79}"/>
               </a:ext>
             </a:extLst>
           </p:cNvPr>
@@ -7986,38 +8194,8 @@
         </p:blipFill>
         <p:spPr>
           <a:xfrm>
-            <a:off x="1097280" y="3778519"/>
-            <a:ext cx="7080503" cy="1537400"/>
-          </a:xfrm>
-          <a:prstGeom prst="rect">
-            <a:avLst/>
-          </a:prstGeom>
-        </p:spPr>
-      </p:pic>
-      <p:pic>
-        <p:nvPicPr>
-          <p:cNvPr id="7" name="Obrázek 6">
-            <a:extLst>
-              <a:ext uri="{FF2B5EF4-FFF2-40B4-BE49-F238E27FC236}">
-                <a16:creationId xmlns:a16="http://schemas.microsoft.com/office/drawing/2014/main" id="{D34A8A46-4D66-B63B-D948-7AAE0E6D9D15}"/>
-              </a:ext>
-            </a:extLst>
-          </p:cNvPr>
-          <p:cNvPicPr>
-            <a:picLocks noChangeAspect="1"/>
-          </p:cNvPicPr>
-          <p:nvPr/>
-        </p:nvPicPr>
-        <p:blipFill>
-          <a:blip r:embed="rId3"/>
-          <a:stretch>
-            <a:fillRect/>
-          </a:stretch>
-        </p:blipFill>
-        <p:spPr>
-          <a:xfrm>
-            <a:off x="5888145" y="1845734"/>
-            <a:ext cx="6303855" cy="1139400"/>
+            <a:off x="4654035" y="2155477"/>
+            <a:ext cx="4602747" cy="2042513"/>
           </a:xfrm>
           <a:prstGeom prst="rect">
             <a:avLst/>
@@ -8027,135 +8205,7 @@
     </p:spTree>
     <p:extLst>
       <p:ext uri="{BB962C8B-B14F-4D97-AF65-F5344CB8AC3E}">
-        <p14:creationId xmlns:p14="http://schemas.microsoft.com/office/powerpoint/2010/main" val="886776033"/>
-      </p:ext>
-    </p:extLst>
-  </p:cSld>
-  <p:clrMapOvr>
-    <a:masterClrMapping/>
-  </p:clrMapOvr>
-</p:sld>
-</file>
-
-<file path=ppt/slides/slide7.xml><?xml version="1.0" encoding="utf-8"?>
-<p:sld xmlns:a="http://schemas.openxmlformats.org/drawingml/2006/main" xmlns:r="http://schemas.openxmlformats.org/officeDocument/2006/relationships" xmlns:p="http://schemas.openxmlformats.org/presentationml/2006/main">
-  <p:cSld>
-    <p:spTree>
-      <p:nvGrpSpPr>
-        <p:cNvPr id="1" name=""/>
-        <p:cNvGrpSpPr/>
-        <p:nvPr/>
-      </p:nvGrpSpPr>
-      <p:grpSpPr>
-        <a:xfrm>
-          <a:off x="0" y="0"/>
-          <a:ext cx="0" cy="0"/>
-          <a:chOff x="0" y="0"/>
-          <a:chExt cx="0" cy="0"/>
-        </a:xfrm>
-      </p:grpSpPr>
-      <p:sp>
-        <p:nvSpPr>
-          <p:cNvPr id="2" name="Nadpis 1">
-            <a:extLst>
-              <a:ext uri="{FF2B5EF4-FFF2-40B4-BE49-F238E27FC236}">
-                <a16:creationId xmlns:a16="http://schemas.microsoft.com/office/drawing/2014/main" id="{54F5CF49-8FDF-CC3D-13A9-1D8B9620A3F3}"/>
-              </a:ext>
-            </a:extLst>
-          </p:cNvPr>
-          <p:cNvSpPr>
-            <a:spLocks noGrp="1"/>
-          </p:cNvSpPr>
-          <p:nvPr>
-            <p:ph type="title"/>
-          </p:nvPr>
-        </p:nvSpPr>
-        <p:spPr/>
-        <p:txBody>
-          <a:bodyPr/>
-          <a:lstStyle/>
-          <a:p>
-            <a:r>
-              <a:rPr lang="cs-CZ" dirty="0"/>
-              <a:t>Dialogy pro ukládání a otevírání souboru</a:t>
-            </a:r>
-          </a:p>
-        </p:txBody>
-      </p:sp>
-      <p:sp>
-        <p:nvSpPr>
-          <p:cNvPr id="3" name="Zástupný obsah 2">
-            <a:extLst>
-              <a:ext uri="{FF2B5EF4-FFF2-40B4-BE49-F238E27FC236}">
-                <a16:creationId xmlns:a16="http://schemas.microsoft.com/office/drawing/2014/main" id="{90F79178-6E08-C1EC-22C6-FC3FA155C447}"/>
-              </a:ext>
-            </a:extLst>
-          </p:cNvPr>
-          <p:cNvSpPr>
-            <a:spLocks noGrp="1"/>
-          </p:cNvSpPr>
-          <p:nvPr>
-            <p:ph idx="1"/>
-          </p:nvPr>
-        </p:nvSpPr>
-        <p:spPr/>
-        <p:txBody>
-          <a:bodyPr/>
-          <a:lstStyle/>
-          <a:p>
-            <a:r>
-              <a:rPr lang="cs-CZ" b="1" dirty="0" err="1"/>
-              <a:t>OpenFileDialog</a:t>
-            </a:r>
-            <a:r>
-              <a:rPr lang="cs-CZ" b="1" dirty="0"/>
-              <a:t> </a:t>
-            </a:r>
-          </a:p>
-          <a:p>
-            <a:pPr lvl="1"/>
-            <a:r>
-              <a:rPr lang="cs-CZ" dirty="0"/>
-              <a:t>Nativní okno pro výběr souboru, lze nastavit, které typy souboru se mají zobrazit</a:t>
-            </a:r>
-          </a:p>
-          <a:p>
-            <a:r>
-              <a:rPr lang="cs-CZ" b="1" dirty="0" err="1"/>
-              <a:t>SaveFileDialog</a:t>
-            </a:r>
-            <a:endParaRPr lang="cs-CZ" b="1" dirty="0"/>
-          </a:p>
-          <a:p>
-            <a:pPr lvl="1"/>
-            <a:r>
-              <a:rPr lang="cs-CZ" dirty="0"/>
-              <a:t>Nativní okno pro výběr adresáře, kde bude soubor uložen</a:t>
-            </a:r>
-          </a:p>
-          <a:p>
-            <a:r>
-              <a:rPr lang="cs-CZ" dirty="0"/>
-              <a:t>Při práci s modálními dialogovými okny nás zajímá výsledek po zavření</a:t>
-            </a:r>
-          </a:p>
-          <a:p>
-            <a:r>
-              <a:rPr lang="cs-CZ" dirty="0"/>
-              <a:t>Výčtový typ </a:t>
-            </a:r>
-            <a:r>
-              <a:rPr lang="cs-CZ" b="1" dirty="0" err="1"/>
-              <a:t>DialogResult</a:t>
-            </a:r>
-            <a:endParaRPr lang="cs-CZ" b="1" dirty="0"/>
-          </a:p>
-        </p:txBody>
-      </p:sp>
-    </p:spTree>
-    <p:extLst>
-      <p:ext uri="{BB962C8B-B14F-4D97-AF65-F5344CB8AC3E}">
-        <p14:creationId xmlns:p14="http://schemas.microsoft.com/office/powerpoint/2010/main" val="2378399360"/>
+        <p14:creationId xmlns:p14="http://schemas.microsoft.com/office/powerpoint/2010/main" val="4287236888"/>
       </p:ext>
     </p:extLst>
   </p:cSld>
